--- a/ppt/0_Intro2JupyterHub.pptx
+++ b/ppt/0_Intro2JupyterHub.pptx
@@ -3543,8 +3543,8 @@
         </p:nvSpPr>
         <p:spPr>
           <a:xfrm>
-            <a:off x="685800" y="2130425"/>
-            <a:ext cx="7772400" cy="1470025"/>
+            <a:off x="685800" y="1844824"/>
+            <a:ext cx="7772400" cy="1872207"/>
           </a:xfrm>
           <a:prstGeom prst="rect">
             <a:avLst/>
@@ -3580,7 +3580,7 @@
               <a:t>Introduction to </a:t>
             </a:r>
             <a:r>
-              <a:rPr lang="en-US" altLang="ko-KR" sz="6000" dirty="0" err="1" smtClean="0">
+              <a:rPr lang="en-US" altLang="ko-KR" sz="6000" dirty="0" smtClean="0">
                 <a:solidFill>
                   <a:srgbClr val="C00000"/>
                 </a:solidFill>
@@ -4926,15 +4926,7 @@
                   <a:srgbClr val="C00000"/>
                 </a:solidFill>
               </a:rPr>
-              <a:t>ksc</a:t>
-            </a:r>
-            <a:r>
-              <a:rPr kumimoji="1" lang="en-US" altLang="ko-KR" sz="3200" b="1" dirty="0" smtClean="0">
-                <a:solidFill>
-                  <a:srgbClr val="C00000"/>
-                </a:solidFill>
-              </a:rPr>
-              <a:t>2016 / 1234</a:t>
+              <a:t>ksc2016 / 1234</a:t>
             </a:r>
             <a:endParaRPr kumimoji="1" lang="ko-KR" altLang="en-US" sz="3200" b="1" dirty="0" smtClean="0">
               <a:solidFill>
